--- a/Angular Course.pptx
+++ b/Angular Course.pptx
@@ -4017,7 +4017,7 @@
           <a:p>
             <a:fld id="{A7E172C4-61B0-43C6-B6CE-D21633E04F45}" type="datetimeFigureOut">
               <a:rPr lang="en-US" smtClean="0"/>
-              <a:t>9/21/2022</a:t>
+              <a:t>11/29/2022</a:t>
             </a:fld>
             <a:endParaRPr lang="en-US"/>
           </a:p>
@@ -4292,7 +4292,7 @@
           <a:p>
             <a:fld id="{A7E172C4-61B0-43C6-B6CE-D21633E04F45}" type="datetimeFigureOut">
               <a:rPr lang="en-US" smtClean="0"/>
-              <a:t>9/21/2022</a:t>
+              <a:t>11/29/2022</a:t>
             </a:fld>
             <a:endParaRPr lang="en-US"/>
           </a:p>
@@ -4486,7 +4486,7 @@
           <a:p>
             <a:fld id="{A7E172C4-61B0-43C6-B6CE-D21633E04F45}" type="datetimeFigureOut">
               <a:rPr lang="en-US" smtClean="0"/>
-              <a:t>9/21/2022</a:t>
+              <a:t>11/29/2022</a:t>
             </a:fld>
             <a:endParaRPr lang="en-US"/>
           </a:p>
@@ -4759,7 +4759,7 @@
           <a:p>
             <a:fld id="{A7E172C4-61B0-43C6-B6CE-D21633E04F45}" type="datetimeFigureOut">
               <a:rPr lang="en-US" smtClean="0"/>
-              <a:t>9/21/2022</a:t>
+              <a:t>11/29/2022</a:t>
             </a:fld>
             <a:endParaRPr lang="en-US"/>
           </a:p>
@@ -5100,7 +5100,7 @@
           <a:p>
             <a:fld id="{A7E172C4-61B0-43C6-B6CE-D21633E04F45}" type="datetimeFigureOut">
               <a:rPr lang="en-US" smtClean="0"/>
-              <a:t>9/21/2022</a:t>
+              <a:t>11/29/2022</a:t>
             </a:fld>
             <a:endParaRPr lang="en-US"/>
           </a:p>
@@ -5723,7 +5723,7 @@
           <a:p>
             <a:fld id="{A7E172C4-61B0-43C6-B6CE-D21633E04F45}" type="datetimeFigureOut">
               <a:rPr lang="en-US" smtClean="0"/>
-              <a:t>9/21/2022</a:t>
+              <a:t>11/29/2022</a:t>
             </a:fld>
             <a:endParaRPr lang="en-US"/>
           </a:p>
@@ -6583,7 +6583,7 @@
           <a:p>
             <a:fld id="{A7E172C4-61B0-43C6-B6CE-D21633E04F45}" type="datetimeFigureOut">
               <a:rPr lang="en-US" smtClean="0"/>
-              <a:t>9/21/2022</a:t>
+              <a:t>11/29/2022</a:t>
             </a:fld>
             <a:endParaRPr lang="en-US"/>
           </a:p>
@@ -6753,7 +6753,7 @@
           <a:p>
             <a:fld id="{A7E172C4-61B0-43C6-B6CE-D21633E04F45}" type="datetimeFigureOut">
               <a:rPr lang="en-US" smtClean="0"/>
-              <a:t>9/21/2022</a:t>
+              <a:t>11/29/2022</a:t>
             </a:fld>
             <a:endParaRPr lang="en-US"/>
           </a:p>
@@ -6933,7 +6933,7 @@
           <a:p>
             <a:fld id="{A7E172C4-61B0-43C6-B6CE-D21633E04F45}" type="datetimeFigureOut">
               <a:rPr lang="en-US" smtClean="0"/>
-              <a:t>9/21/2022</a:t>
+              <a:t>11/29/2022</a:t>
             </a:fld>
             <a:endParaRPr lang="en-US"/>
           </a:p>
@@ -7103,7 +7103,7 @@
           <a:p>
             <a:fld id="{A7E172C4-61B0-43C6-B6CE-D21633E04F45}" type="datetimeFigureOut">
               <a:rPr lang="en-US" smtClean="0"/>
-              <a:t>9/21/2022</a:t>
+              <a:t>11/29/2022</a:t>
             </a:fld>
             <a:endParaRPr lang="en-US"/>
           </a:p>
@@ -7350,7 +7350,7 @@
           <a:p>
             <a:fld id="{A7E172C4-61B0-43C6-B6CE-D21633E04F45}" type="datetimeFigureOut">
               <a:rPr lang="en-US" smtClean="0"/>
-              <a:t>9/21/2022</a:t>
+              <a:t>11/29/2022</a:t>
             </a:fld>
             <a:endParaRPr lang="en-US"/>
           </a:p>
@@ -7642,7 +7642,7 @@
           <a:p>
             <a:fld id="{A7E172C4-61B0-43C6-B6CE-D21633E04F45}" type="datetimeFigureOut">
               <a:rPr lang="en-US" smtClean="0"/>
-              <a:t>9/21/2022</a:t>
+              <a:t>11/29/2022</a:t>
             </a:fld>
             <a:endParaRPr lang="en-US"/>
           </a:p>
@@ -8086,7 +8086,7 @@
           <a:p>
             <a:fld id="{A7E172C4-61B0-43C6-B6CE-D21633E04F45}" type="datetimeFigureOut">
               <a:rPr lang="en-US" smtClean="0"/>
-              <a:t>9/21/2022</a:t>
+              <a:t>11/29/2022</a:t>
             </a:fld>
             <a:endParaRPr lang="en-US"/>
           </a:p>
@@ -8204,7 +8204,7 @@
           <a:p>
             <a:fld id="{A7E172C4-61B0-43C6-B6CE-D21633E04F45}" type="datetimeFigureOut">
               <a:rPr lang="en-US" smtClean="0"/>
-              <a:t>9/21/2022</a:t>
+              <a:t>11/29/2022</a:t>
             </a:fld>
             <a:endParaRPr lang="en-US"/>
           </a:p>
@@ -8299,7 +8299,7 @@
           <a:p>
             <a:fld id="{A7E172C4-61B0-43C6-B6CE-D21633E04F45}" type="datetimeFigureOut">
               <a:rPr lang="en-US" smtClean="0"/>
-              <a:t>9/21/2022</a:t>
+              <a:t>11/29/2022</a:t>
             </a:fld>
             <a:endParaRPr lang="en-US"/>
           </a:p>
@@ -8578,7 +8578,7 @@
           <a:p>
             <a:fld id="{A7E172C4-61B0-43C6-B6CE-D21633E04F45}" type="datetimeFigureOut">
               <a:rPr lang="en-US" smtClean="0"/>
-              <a:t>9/21/2022</a:t>
+              <a:t>11/29/2022</a:t>
             </a:fld>
             <a:endParaRPr lang="en-US"/>
           </a:p>
@@ -8853,7 +8853,7 @@
           <a:p>
             <a:fld id="{A7E172C4-61B0-43C6-B6CE-D21633E04F45}" type="datetimeFigureOut">
               <a:rPr lang="en-US" smtClean="0"/>
-              <a:t>9/21/2022</a:t>
+              <a:t>11/29/2022</a:t>
             </a:fld>
             <a:endParaRPr lang="en-US"/>
           </a:p>
@@ -9282,7 +9282,7 @@
           <a:p>
             <a:fld id="{A7E172C4-61B0-43C6-B6CE-D21633E04F45}" type="datetimeFigureOut">
               <a:rPr lang="en-US" smtClean="0"/>
-              <a:t>9/21/2022</a:t>
+              <a:t>11/29/2022</a:t>
             </a:fld>
             <a:endParaRPr lang="en-US"/>
           </a:p>
@@ -10529,13 +10529,8 @@
             <a:pPr lvl="1"/>
             <a:r>
               <a:rPr lang="en-US" dirty="0"/>
-              <a:t>Complex concepts for new </a:t>
-            </a:r>
-            <a:r>
-              <a:rPr lang="en-US" dirty="0" err="1"/>
-              <a:t>begginers</a:t>
-            </a:r>
-            <a:endParaRPr lang="en-US" dirty="0"/>
+              <a:t>Complex concepts for new beginners</a:t>
+            </a:r>
           </a:p>
           <a:p>
             <a:pPr lvl="1"/>
